--- a/企画書　宝ラン.pptx
+++ b/企画書　宝ラン.pptx
@@ -110,6 +110,11 @@
       </a:defRPr>
     </a:lvl9pPr>
   </p:defaultTextStyle>
+  <p:extLst>
+    <p:ext uri="{EFAFB233-063F-42B5-8137-9DF3F51BA10A}">
+      <p15:sldGuideLst xmlns:p15="http://schemas.microsoft.com/office/powerpoint/2012/main"/>
+    </p:ext>
+  </p:extLst>
 </p:presentation>
 </file>
 
@@ -3258,63 +3263,66 @@
           <a:chExt cx="0" cy="0"/>
         </a:xfrm>
       </p:grpSpPr>
-      <p:sp>
-        <p:nvSpPr>
-          <p:cNvPr id="2" name="タイトル 1"/>
-          <p:cNvSpPr>
-            <a:spLocks noGrp="1"/>
-          </p:cNvSpPr>
-          <p:nvPr>
-            <p:ph type="ctrTitle"/>
-          </p:nvPr>
-        </p:nvSpPr>
-        <p:spPr/>
-        <p:txBody>
-          <a:bodyPr/>
-          <a:lstStyle/>
-          <a:p>
-            <a:r>
-              <a:rPr lang="ja-JP" altLang="en-US" dirty="0" smtClean="0"/>
-              <a:t>企画書</a:t>
-            </a:r>
-            <a:r>
-              <a:rPr lang="en-US" altLang="ja-JP" dirty="0" smtClean="0"/>
-              <a:t/>
-            </a:r>
-            <a:br>
-              <a:rPr lang="en-US" altLang="ja-JP" dirty="0" smtClean="0"/>
-            </a:br>
-            <a:r>
-              <a:rPr lang="ja-JP" altLang="en-US" dirty="0" smtClean="0"/>
-              <a:t>宝ラン</a:t>
-            </a:r>
-            <a:endParaRPr kumimoji="1" lang="ja-JP" altLang="en-US" dirty="0"/>
-          </a:p>
-        </p:txBody>
-      </p:sp>
-      <p:sp>
-        <p:nvSpPr>
-          <p:cNvPr id="3" name="サブタイトル 2"/>
-          <p:cNvSpPr>
-            <a:spLocks noGrp="1"/>
-          </p:cNvSpPr>
-          <p:nvPr>
-            <p:ph type="subTitle" idx="1"/>
-          </p:nvPr>
-        </p:nvSpPr>
-        <p:spPr/>
-        <p:txBody>
-          <a:bodyPr/>
-          <a:lstStyle/>
-          <a:p>
-            <a:r>
-              <a:rPr lang="ja-JP" altLang="en-US" dirty="0"/>
-              <a:t>トレジャーランニング</a:t>
-            </a:r>
-            <a:endParaRPr kumimoji="1" lang="ja-JP" altLang="en-US" dirty="0"/>
-          </a:p>
-        </p:txBody>
-      </p:sp>
+      <p:pic>
+        <p:nvPicPr>
+          <p:cNvPr id="4" name="図 3"/>
+          <p:cNvPicPr>
+            <a:picLocks noChangeAspect="1"/>
+          </p:cNvPicPr>
+          <p:nvPr/>
+        </p:nvPicPr>
+        <p:blipFill>
+          <a:blip r:embed="rId2" cstate="print">
+            <a:extLst>
+              <a:ext uri="{28A0092B-C50C-407E-A947-70E740481C1C}">
+                <a14:useLocalDpi xmlns:a14="http://schemas.microsoft.com/office/drawing/2010/main" val="0"/>
+              </a:ext>
+            </a:extLst>
+          </a:blip>
+          <a:stretch>
+            <a:fillRect/>
+          </a:stretch>
+        </p:blipFill>
+        <p:spPr>
+          <a:xfrm>
+            <a:off x="2546" y="-1524"/>
+            <a:ext cx="12189454" cy="6859524"/>
+          </a:xfrm>
+          <a:prstGeom prst="rect">
+            <a:avLst/>
+          </a:prstGeom>
+        </p:spPr>
+      </p:pic>
+      <p:pic>
+        <p:nvPicPr>
+          <p:cNvPr id="9" name="図 8"/>
+          <p:cNvPicPr>
+            <a:picLocks noChangeAspect="1"/>
+          </p:cNvPicPr>
+          <p:nvPr/>
+        </p:nvPicPr>
+        <p:blipFill>
+          <a:blip r:embed="rId3" cstate="print">
+            <a:extLst>
+              <a:ext uri="{28A0092B-C50C-407E-A947-70E740481C1C}">
+                <a14:useLocalDpi xmlns:a14="http://schemas.microsoft.com/office/drawing/2010/main" val="0"/>
+              </a:ext>
+            </a:extLst>
+          </a:blip>
+          <a:stretch>
+            <a:fillRect/>
+          </a:stretch>
+        </p:blipFill>
+        <p:spPr>
+          <a:xfrm>
+            <a:off x="266884" y="248027"/>
+            <a:ext cx="11660777" cy="6360422"/>
+          </a:xfrm>
+          <a:prstGeom prst="rect">
+            <a:avLst/>
+          </a:prstGeom>
+        </p:spPr>
+      </p:pic>
     </p:spTree>
     <p:extLst>
       <p:ext uri="{BB962C8B-B14F-4D97-AF65-F5344CB8AC3E}">
@@ -3352,6 +3360,36 @@
           <a:chExt cx="0" cy="0"/>
         </a:xfrm>
       </p:grpSpPr>
+      <p:pic>
+        <p:nvPicPr>
+          <p:cNvPr id="4" name="図 3"/>
+          <p:cNvPicPr>
+            <a:picLocks noChangeAspect="1"/>
+          </p:cNvPicPr>
+          <p:nvPr/>
+        </p:nvPicPr>
+        <p:blipFill>
+          <a:blip r:embed="rId2" cstate="print">
+            <a:extLst>
+              <a:ext uri="{28A0092B-C50C-407E-A947-70E740481C1C}">
+                <a14:useLocalDpi xmlns:a14="http://schemas.microsoft.com/office/drawing/2010/main" val="0"/>
+              </a:ext>
+            </a:extLst>
+          </a:blip>
+          <a:stretch>
+            <a:fillRect/>
+          </a:stretch>
+        </p:blipFill>
+        <p:spPr>
+          <a:xfrm>
+            <a:off x="2546" y="1"/>
+            <a:ext cx="12189454" cy="6859524"/>
+          </a:xfrm>
+          <a:prstGeom prst="rect">
+            <a:avLst/>
+          </a:prstGeom>
+        </p:spPr>
+      </p:pic>
       <p:sp>
         <p:nvSpPr>
           <p:cNvPr id="2" name="タイトル 1"/>
@@ -3362,16 +3400,33 @@
             <p:ph type="title"/>
           </p:nvPr>
         </p:nvSpPr>
-        <p:spPr/>
-        <p:txBody>
-          <a:bodyPr/>
-          <a:lstStyle/>
-          <a:p>
-            <a:r>
-              <a:rPr kumimoji="1" lang="ja-JP" altLang="en-US" dirty="0" smtClean="0"/>
+        <p:spPr>
+          <a:xfrm>
+            <a:off x="633549" y="243205"/>
+            <a:ext cx="10515600" cy="1325563"/>
+          </a:xfrm>
+        </p:spPr>
+        <p:txBody>
+          <a:bodyPr/>
+          <a:lstStyle/>
+          <a:p>
+            <a:r>
+              <a:rPr kumimoji="1" lang="ja-JP" altLang="en-US" dirty="0" smtClean="0">
+                <a:solidFill>
+                  <a:schemeClr val="bg1"/>
+                </a:solidFill>
+                <a:latin typeface="メイリオ" panose="020B0604030504040204" pitchFamily="50" charset="-128"/>
+                <a:ea typeface="メイリオ" panose="020B0604030504040204" pitchFamily="50" charset="-128"/>
+              </a:rPr>
               <a:t>目次</a:t>
             </a:r>
-            <a:endParaRPr kumimoji="1" lang="ja-JP" altLang="en-US" dirty="0"/>
+            <a:endParaRPr kumimoji="1" lang="ja-JP" altLang="en-US" dirty="0">
+              <a:solidFill>
+                <a:schemeClr val="bg1"/>
+              </a:solidFill>
+              <a:latin typeface="メイリオ" panose="020B0604030504040204" pitchFamily="50" charset="-128"/>
+              <a:ea typeface="メイリオ" panose="020B0604030504040204" pitchFamily="50" charset="-128"/>
+            </a:endParaRPr>
           </a:p>
         </p:txBody>
       </p:sp>
@@ -3385,81 +3440,208 @@
             <p:ph idx="1"/>
           </p:nvPr>
         </p:nvSpPr>
-        <p:spPr/>
-        <p:txBody>
-          <a:bodyPr/>
-          <a:lstStyle/>
-          <a:p>
-            <a:r>
-              <a:rPr kumimoji="1" lang="ja-JP" altLang="en-US" dirty="0" smtClean="0"/>
+        <p:spPr>
+          <a:xfrm>
+            <a:off x="633549" y="1407612"/>
+            <a:ext cx="7426234" cy="5097689"/>
+          </a:xfrm>
+        </p:spPr>
+        <p:txBody>
+          <a:bodyPr>
+            <a:noAutofit/>
+          </a:bodyPr>
+          <a:lstStyle/>
+          <a:p>
+            <a:r>
+              <a:rPr kumimoji="1" lang="ja-JP" altLang="en-US" sz="3600" dirty="0" smtClean="0">
+                <a:solidFill>
+                  <a:schemeClr val="bg1"/>
+                </a:solidFill>
+                <a:latin typeface="メイリオ" panose="020B0604030504040204" pitchFamily="50" charset="-128"/>
+                <a:ea typeface="メイリオ" panose="020B0604030504040204" pitchFamily="50" charset="-128"/>
+              </a:rPr>
               <a:t>ゲーム概要</a:t>
             </a:r>
-            <a:endParaRPr kumimoji="1" lang="en-US" altLang="ja-JP" dirty="0" smtClean="0"/>
-          </a:p>
-          <a:p>
-            <a:r>
-              <a:rPr lang="ja-JP" altLang="en-US" dirty="0"/>
+            <a:endParaRPr kumimoji="1" lang="en-US" altLang="ja-JP" sz="3600" dirty="0" smtClean="0">
+              <a:solidFill>
+                <a:schemeClr val="bg1"/>
+              </a:solidFill>
+              <a:latin typeface="メイリオ" panose="020B0604030504040204" pitchFamily="50" charset="-128"/>
+              <a:ea typeface="メイリオ" panose="020B0604030504040204" pitchFamily="50" charset="-128"/>
+            </a:endParaRPr>
+          </a:p>
+          <a:p>
+            <a:r>
+              <a:rPr lang="ja-JP" altLang="en-US" sz="3600" dirty="0">
+                <a:solidFill>
+                  <a:schemeClr val="bg1"/>
+                </a:solidFill>
+                <a:latin typeface="メイリオ" panose="020B0604030504040204" pitchFamily="50" charset="-128"/>
+                <a:ea typeface="メイリオ" panose="020B0604030504040204" pitchFamily="50" charset="-128"/>
+              </a:rPr>
               <a:t>コンセプト</a:t>
             </a:r>
-            <a:endParaRPr kumimoji="1" lang="en-US" altLang="ja-JP" dirty="0" smtClean="0"/>
-          </a:p>
-          <a:p>
-            <a:r>
-              <a:rPr lang="ja-JP" altLang="en-US" dirty="0"/>
+            <a:endParaRPr kumimoji="1" lang="en-US" altLang="ja-JP" sz="3600" dirty="0" smtClean="0">
+              <a:solidFill>
+                <a:schemeClr val="bg1"/>
+              </a:solidFill>
+              <a:latin typeface="メイリオ" panose="020B0604030504040204" pitchFamily="50" charset="-128"/>
+              <a:ea typeface="メイリオ" panose="020B0604030504040204" pitchFamily="50" charset="-128"/>
+            </a:endParaRPr>
+          </a:p>
+          <a:p>
+            <a:r>
+              <a:rPr lang="ja-JP" altLang="en-US" sz="3600" dirty="0">
+                <a:solidFill>
+                  <a:schemeClr val="bg1"/>
+                </a:solidFill>
+                <a:latin typeface="メイリオ" panose="020B0604030504040204" pitchFamily="50" charset="-128"/>
+                <a:ea typeface="メイリオ" panose="020B0604030504040204" pitchFamily="50" charset="-128"/>
+              </a:rPr>
               <a:t>世界</a:t>
             </a:r>
             <a:r>
-              <a:rPr lang="ja-JP" altLang="en-US" dirty="0" smtClean="0"/>
+              <a:rPr lang="ja-JP" altLang="en-US" sz="3600" dirty="0" smtClean="0">
+                <a:solidFill>
+                  <a:schemeClr val="bg1"/>
+                </a:solidFill>
+                <a:latin typeface="メイリオ" panose="020B0604030504040204" pitchFamily="50" charset="-128"/>
+                <a:ea typeface="メイリオ" panose="020B0604030504040204" pitchFamily="50" charset="-128"/>
+              </a:rPr>
               <a:t>観</a:t>
             </a:r>
-            <a:endParaRPr lang="en-US" altLang="ja-JP" dirty="0" smtClean="0"/>
-          </a:p>
-          <a:p>
-            <a:r>
-              <a:rPr lang="ja-JP" altLang="en-US" dirty="0"/>
+            <a:endParaRPr lang="en-US" altLang="ja-JP" sz="3600" dirty="0" smtClean="0">
+              <a:solidFill>
+                <a:schemeClr val="bg1"/>
+              </a:solidFill>
+              <a:latin typeface="メイリオ" panose="020B0604030504040204" pitchFamily="50" charset="-128"/>
+              <a:ea typeface="メイリオ" panose="020B0604030504040204" pitchFamily="50" charset="-128"/>
+            </a:endParaRPr>
+          </a:p>
+          <a:p>
+            <a:r>
+              <a:rPr lang="ja-JP" altLang="en-US" sz="3600" dirty="0">
+                <a:solidFill>
+                  <a:schemeClr val="bg1"/>
+                </a:solidFill>
+                <a:latin typeface="メイリオ" panose="020B0604030504040204" pitchFamily="50" charset="-128"/>
+                <a:ea typeface="メイリオ" panose="020B0604030504040204" pitchFamily="50" charset="-128"/>
+              </a:rPr>
               <a:t>ギミック</a:t>
             </a:r>
             <a:r>
-              <a:rPr lang="ja-JP" altLang="en-US" dirty="0" smtClean="0"/>
+              <a:rPr lang="ja-JP" altLang="en-US" sz="3600" dirty="0" smtClean="0">
+                <a:solidFill>
+                  <a:schemeClr val="bg1"/>
+                </a:solidFill>
+                <a:latin typeface="メイリオ" panose="020B0604030504040204" pitchFamily="50" charset="-128"/>
+                <a:ea typeface="メイリオ" panose="020B0604030504040204" pitchFamily="50" charset="-128"/>
+              </a:rPr>
               <a:t>紹介</a:t>
             </a:r>
-            <a:endParaRPr lang="en-US" altLang="ja-JP" dirty="0" smtClean="0"/>
-          </a:p>
-          <a:p>
-            <a:r>
-              <a:rPr lang="ja-JP" altLang="en-US" dirty="0"/>
+            <a:endParaRPr lang="en-US" altLang="ja-JP" sz="3600" dirty="0" smtClean="0">
+              <a:solidFill>
+                <a:schemeClr val="bg1"/>
+              </a:solidFill>
+              <a:latin typeface="メイリオ" panose="020B0604030504040204" pitchFamily="50" charset="-128"/>
+              <a:ea typeface="メイリオ" panose="020B0604030504040204" pitchFamily="50" charset="-128"/>
+            </a:endParaRPr>
+          </a:p>
+          <a:p>
+            <a:r>
+              <a:rPr lang="ja-JP" altLang="en-US" sz="3600" dirty="0">
+                <a:solidFill>
+                  <a:schemeClr val="bg1"/>
+                </a:solidFill>
+                <a:latin typeface="メイリオ" panose="020B0604030504040204" pitchFamily="50" charset="-128"/>
+                <a:ea typeface="メイリオ" panose="020B0604030504040204" pitchFamily="50" charset="-128"/>
+              </a:rPr>
               <a:t>キャラ</a:t>
             </a:r>
             <a:r>
-              <a:rPr lang="ja-JP" altLang="en-US" dirty="0" smtClean="0"/>
+              <a:rPr lang="ja-JP" altLang="en-US" sz="3600" dirty="0" smtClean="0">
+                <a:solidFill>
+                  <a:schemeClr val="bg1"/>
+                </a:solidFill>
+                <a:latin typeface="メイリオ" panose="020B0604030504040204" pitchFamily="50" charset="-128"/>
+                <a:ea typeface="メイリオ" panose="020B0604030504040204" pitchFamily="50" charset="-128"/>
+              </a:rPr>
               <a:t>紹介</a:t>
             </a:r>
-            <a:endParaRPr lang="en-US" altLang="ja-JP" dirty="0" smtClean="0"/>
-          </a:p>
-          <a:p>
-            <a:r>
-              <a:rPr lang="ja-JP" altLang="en-US" dirty="0" smtClean="0"/>
+            <a:endParaRPr lang="en-US" altLang="ja-JP" sz="3600" dirty="0" smtClean="0">
+              <a:solidFill>
+                <a:schemeClr val="bg1"/>
+              </a:solidFill>
+              <a:latin typeface="メイリオ" panose="020B0604030504040204" pitchFamily="50" charset="-128"/>
+              <a:ea typeface="メイリオ" panose="020B0604030504040204" pitchFamily="50" charset="-128"/>
+            </a:endParaRPr>
+          </a:p>
+          <a:p>
+            <a:r>
+              <a:rPr lang="ja-JP" altLang="en-US" sz="3600" dirty="0" smtClean="0">
+                <a:solidFill>
+                  <a:schemeClr val="bg1"/>
+                </a:solidFill>
+                <a:latin typeface="メイリオ" panose="020B0604030504040204" pitchFamily="50" charset="-128"/>
+                <a:ea typeface="メイリオ" panose="020B0604030504040204" pitchFamily="50" charset="-128"/>
+              </a:rPr>
               <a:t>どうしてこのゲームを作ったか</a:t>
             </a:r>
-            <a:endParaRPr lang="en-US" altLang="ja-JP" dirty="0" smtClean="0"/>
-          </a:p>
-          <a:p>
-            <a:r>
-              <a:rPr lang="ja-JP" altLang="en-US" dirty="0"/>
+            <a:endParaRPr lang="en-US" altLang="ja-JP" sz="3600" dirty="0" smtClean="0">
+              <a:solidFill>
+                <a:schemeClr val="bg1"/>
+              </a:solidFill>
+              <a:latin typeface="メイリオ" panose="020B0604030504040204" pitchFamily="50" charset="-128"/>
+              <a:ea typeface="メイリオ" panose="020B0604030504040204" pitchFamily="50" charset="-128"/>
+            </a:endParaRPr>
+          </a:p>
+          <a:p>
+            <a:r>
+              <a:rPr lang="ja-JP" altLang="en-US" sz="3600" dirty="0">
+                <a:solidFill>
+                  <a:schemeClr val="bg1"/>
+                </a:solidFill>
+                <a:latin typeface="メイリオ" panose="020B0604030504040204" pitchFamily="50" charset="-128"/>
+                <a:ea typeface="メイリオ" panose="020B0604030504040204" pitchFamily="50" charset="-128"/>
+              </a:rPr>
               <a:t>操作</a:t>
             </a:r>
             <a:r>
-              <a:rPr lang="ja-JP" altLang="en-US" dirty="0" smtClean="0"/>
+              <a:rPr lang="ja-JP" altLang="en-US" sz="3600" dirty="0" smtClean="0">
+                <a:solidFill>
+                  <a:schemeClr val="bg1"/>
+                </a:solidFill>
+                <a:latin typeface="メイリオ" panose="020B0604030504040204" pitchFamily="50" charset="-128"/>
+                <a:ea typeface="メイリオ" panose="020B0604030504040204" pitchFamily="50" charset="-128"/>
+              </a:rPr>
               <a:t>説明</a:t>
             </a:r>
-            <a:endParaRPr lang="en-US" altLang="ja-JP" dirty="0" smtClean="0"/>
-          </a:p>
-          <a:p>
-            <a:r>
-              <a:rPr lang="ja-JP" altLang="en-US" dirty="0"/>
+            <a:endParaRPr lang="en-US" altLang="ja-JP" sz="3600" dirty="0" smtClean="0">
+              <a:solidFill>
+                <a:schemeClr val="bg1"/>
+              </a:solidFill>
+              <a:latin typeface="メイリオ" panose="020B0604030504040204" pitchFamily="50" charset="-128"/>
+              <a:ea typeface="メイリオ" panose="020B0604030504040204" pitchFamily="50" charset="-128"/>
+            </a:endParaRPr>
+          </a:p>
+          <a:p>
+            <a:r>
+              <a:rPr lang="ja-JP" altLang="en-US" sz="3600" dirty="0">
+                <a:solidFill>
+                  <a:schemeClr val="bg1"/>
+                </a:solidFill>
+                <a:latin typeface="メイリオ" panose="020B0604030504040204" pitchFamily="50" charset="-128"/>
+                <a:ea typeface="メイリオ" panose="020B0604030504040204" pitchFamily="50" charset="-128"/>
+              </a:rPr>
               <a:t>一言コメント</a:t>
             </a:r>
-            <a:endParaRPr lang="en-US" altLang="ja-JP" dirty="0" smtClean="0"/>
+            <a:endParaRPr lang="en-US" altLang="ja-JP" sz="3600" dirty="0" smtClean="0">
+              <a:solidFill>
+                <a:schemeClr val="bg1"/>
+              </a:solidFill>
+              <a:latin typeface="メイリオ" panose="020B0604030504040204" pitchFamily="50" charset="-128"/>
+              <a:ea typeface="メイリオ" panose="020B0604030504040204" pitchFamily="50" charset="-128"/>
+            </a:endParaRPr>
           </a:p>
         </p:txBody>
       </p:sp>
@@ -3500,6 +3682,36 @@
           <a:chExt cx="0" cy="0"/>
         </a:xfrm>
       </p:grpSpPr>
+      <p:pic>
+        <p:nvPicPr>
+          <p:cNvPr id="4" name="図 3"/>
+          <p:cNvPicPr>
+            <a:picLocks noChangeAspect="1"/>
+          </p:cNvPicPr>
+          <p:nvPr/>
+        </p:nvPicPr>
+        <p:blipFill>
+          <a:blip r:embed="rId2" cstate="print">
+            <a:extLst>
+              <a:ext uri="{28A0092B-C50C-407E-A947-70E740481C1C}">
+                <a14:useLocalDpi xmlns:a14="http://schemas.microsoft.com/office/drawing/2010/main" val="0"/>
+              </a:ext>
+            </a:extLst>
+          </a:blip>
+          <a:stretch>
+            <a:fillRect/>
+          </a:stretch>
+        </p:blipFill>
+        <p:spPr>
+          <a:xfrm>
+            <a:off x="2546" y="1"/>
+            <a:ext cx="12189454" cy="6859524"/>
+          </a:xfrm>
+          <a:prstGeom prst="rect">
+            <a:avLst/>
+          </a:prstGeom>
+        </p:spPr>
+      </p:pic>
       <p:sp>
         <p:nvSpPr>
           <p:cNvPr id="2" name="タイトル 1"/>
@@ -3516,10 +3728,22 @@
           <a:lstStyle/>
           <a:p>
             <a:r>
-              <a:rPr kumimoji="1" lang="ja-JP" altLang="en-US" dirty="0" smtClean="0"/>
+              <a:rPr kumimoji="1" lang="ja-JP" altLang="en-US" dirty="0" smtClean="0">
+                <a:solidFill>
+                  <a:schemeClr val="bg1"/>
+                </a:solidFill>
+                <a:latin typeface="メイリオ" panose="020B0604030504040204" pitchFamily="50" charset="-128"/>
+                <a:ea typeface="メイリオ" panose="020B0604030504040204" pitchFamily="50" charset="-128"/>
+              </a:rPr>
               <a:t>ゲーム概要</a:t>
             </a:r>
-            <a:endParaRPr kumimoji="1" lang="ja-JP" altLang="en-US" dirty="0"/>
+            <a:endParaRPr kumimoji="1" lang="ja-JP" altLang="en-US" dirty="0">
+              <a:solidFill>
+                <a:schemeClr val="bg1"/>
+              </a:solidFill>
+              <a:latin typeface="メイリオ" panose="020B0604030504040204" pitchFamily="50" charset="-128"/>
+              <a:ea typeface="メイリオ" panose="020B0604030504040204" pitchFamily="50" charset="-128"/>
+            </a:endParaRPr>
           </a:p>
         </p:txBody>
       </p:sp>
@@ -3539,42 +3763,108 @@
           <a:lstStyle/>
           <a:p>
             <a:r>
-              <a:rPr kumimoji="1" lang="ja-JP" altLang="en-US" dirty="0" smtClean="0"/>
+              <a:rPr kumimoji="1" lang="ja-JP" altLang="en-US" dirty="0" smtClean="0">
+                <a:solidFill>
+                  <a:schemeClr val="bg1"/>
+                </a:solidFill>
+                <a:latin typeface="メイリオ" panose="020B0604030504040204" pitchFamily="50" charset="-128"/>
+                <a:ea typeface="メイリオ" panose="020B0604030504040204" pitchFamily="50" charset="-128"/>
+              </a:rPr>
               <a:t>障害物を回避しながら宝石を集めて脱出するゲームです。</a:t>
             </a:r>
-            <a:endParaRPr kumimoji="1" lang="en-US" altLang="ja-JP" dirty="0" smtClean="0"/>
-          </a:p>
-          <a:p>
-            <a:endParaRPr lang="en-US" altLang="ja-JP" dirty="0"/>
-          </a:p>
-          <a:p>
-            <a:endParaRPr kumimoji="1" lang="en-US" altLang="ja-JP" dirty="0" smtClean="0"/>
+            <a:endParaRPr kumimoji="1" lang="en-US" altLang="ja-JP" dirty="0" smtClean="0">
+              <a:solidFill>
+                <a:schemeClr val="bg1"/>
+              </a:solidFill>
+              <a:latin typeface="メイリオ" panose="020B0604030504040204" pitchFamily="50" charset="-128"/>
+              <a:ea typeface="メイリオ" panose="020B0604030504040204" pitchFamily="50" charset="-128"/>
+            </a:endParaRPr>
+          </a:p>
+          <a:p>
+            <a:endParaRPr lang="en-US" altLang="ja-JP" dirty="0">
+              <a:solidFill>
+                <a:schemeClr val="bg1"/>
+              </a:solidFill>
+              <a:latin typeface="メイリオ" panose="020B0604030504040204" pitchFamily="50" charset="-128"/>
+              <a:ea typeface="メイリオ" panose="020B0604030504040204" pitchFamily="50" charset="-128"/>
+            </a:endParaRPr>
+          </a:p>
+          <a:p>
+            <a:endParaRPr kumimoji="1" lang="en-US" altLang="ja-JP" dirty="0" smtClean="0">
+              <a:solidFill>
+                <a:schemeClr val="bg1"/>
+              </a:solidFill>
+              <a:latin typeface="メイリオ" panose="020B0604030504040204" pitchFamily="50" charset="-128"/>
+              <a:ea typeface="メイリオ" panose="020B0604030504040204" pitchFamily="50" charset="-128"/>
+            </a:endParaRPr>
           </a:p>
           <a:p>
             <a:pPr marL="0" indent="0">
               <a:buNone/>
             </a:pPr>
-            <a:endParaRPr kumimoji="1" lang="en-US" altLang="ja-JP" dirty="0" smtClean="0"/>
-          </a:p>
-          <a:p>
-            <a:r>
-              <a:rPr lang="ja-JP" altLang="en-US" dirty="0" smtClean="0"/>
+            <a:endParaRPr kumimoji="1" lang="en-US" altLang="ja-JP" dirty="0" smtClean="0">
+              <a:solidFill>
+                <a:schemeClr val="bg1"/>
+              </a:solidFill>
+              <a:latin typeface="メイリオ" panose="020B0604030504040204" pitchFamily="50" charset="-128"/>
+              <a:ea typeface="メイリオ" panose="020B0604030504040204" pitchFamily="50" charset="-128"/>
+            </a:endParaRPr>
+          </a:p>
+          <a:p>
+            <a:r>
+              <a:rPr lang="ja-JP" altLang="en-US" dirty="0" smtClean="0">
+                <a:solidFill>
+                  <a:schemeClr val="bg1"/>
+                </a:solidFill>
+                <a:latin typeface="メイリオ" panose="020B0604030504040204" pitchFamily="50" charset="-128"/>
+                <a:ea typeface="メイリオ" panose="020B0604030504040204" pitchFamily="50" charset="-128"/>
+              </a:rPr>
               <a:t>宝石を多く獲り、より高いスコアを目指す。</a:t>
             </a:r>
-            <a:endParaRPr lang="en-US" altLang="ja-JP" dirty="0" smtClean="0"/>
-          </a:p>
-          <a:p>
-            <a:endParaRPr kumimoji="1" lang="en-US" altLang="ja-JP" dirty="0"/>
-          </a:p>
-          <a:p>
-            <a:endParaRPr lang="en-US" altLang="ja-JP" dirty="0" smtClean="0"/>
-          </a:p>
-          <a:p>
-            <a:r>
-              <a:rPr lang="ja-JP" altLang="en-US" dirty="0" smtClean="0"/>
+            <a:endParaRPr lang="en-US" altLang="ja-JP" dirty="0" smtClean="0">
+              <a:solidFill>
+                <a:schemeClr val="bg1"/>
+              </a:solidFill>
+              <a:latin typeface="メイリオ" panose="020B0604030504040204" pitchFamily="50" charset="-128"/>
+              <a:ea typeface="メイリオ" panose="020B0604030504040204" pitchFamily="50" charset="-128"/>
+            </a:endParaRPr>
+          </a:p>
+          <a:p>
+            <a:endParaRPr kumimoji="1" lang="en-US" altLang="ja-JP" dirty="0">
+              <a:solidFill>
+                <a:schemeClr val="bg1"/>
+              </a:solidFill>
+              <a:latin typeface="メイリオ" panose="020B0604030504040204" pitchFamily="50" charset="-128"/>
+              <a:ea typeface="メイリオ" panose="020B0604030504040204" pitchFamily="50" charset="-128"/>
+            </a:endParaRPr>
+          </a:p>
+          <a:p>
+            <a:endParaRPr lang="en-US" altLang="ja-JP" dirty="0" smtClean="0">
+              <a:solidFill>
+                <a:schemeClr val="bg1"/>
+              </a:solidFill>
+              <a:latin typeface="メイリオ" panose="020B0604030504040204" pitchFamily="50" charset="-128"/>
+              <a:ea typeface="メイリオ" panose="020B0604030504040204" pitchFamily="50" charset="-128"/>
+            </a:endParaRPr>
+          </a:p>
+          <a:p>
+            <a:r>
+              <a:rPr lang="ja-JP" altLang="en-US" dirty="0" smtClean="0">
+                <a:solidFill>
+                  <a:schemeClr val="bg1"/>
+                </a:solidFill>
+                <a:latin typeface="メイリオ" panose="020B0604030504040204" pitchFamily="50" charset="-128"/>
+                <a:ea typeface="メイリオ" panose="020B0604030504040204" pitchFamily="50" charset="-128"/>
+              </a:rPr>
               <a:t>ジャンル　ベルトスクロールアクションラン</a:t>
             </a:r>
-            <a:endParaRPr kumimoji="1" lang="en-US" altLang="ja-JP" dirty="0"/>
+            <a:endParaRPr kumimoji="1" lang="en-US" altLang="ja-JP" dirty="0">
+              <a:solidFill>
+                <a:schemeClr val="bg1"/>
+              </a:solidFill>
+              <a:latin typeface="メイリオ" panose="020B0604030504040204" pitchFamily="50" charset="-128"/>
+              <a:ea typeface="メイリオ" panose="020B0604030504040204" pitchFamily="50" charset="-128"/>
+            </a:endParaRPr>
           </a:p>
         </p:txBody>
       </p:sp>
@@ -3615,6 +3905,36 @@
           <a:chExt cx="0" cy="0"/>
         </a:xfrm>
       </p:grpSpPr>
+      <p:pic>
+        <p:nvPicPr>
+          <p:cNvPr id="4" name="図 3"/>
+          <p:cNvPicPr>
+            <a:picLocks noChangeAspect="1"/>
+          </p:cNvPicPr>
+          <p:nvPr/>
+        </p:nvPicPr>
+        <p:blipFill>
+          <a:blip r:embed="rId2" cstate="print">
+            <a:extLst>
+              <a:ext uri="{28A0092B-C50C-407E-A947-70E740481C1C}">
+                <a14:useLocalDpi xmlns:a14="http://schemas.microsoft.com/office/drawing/2010/main" val="0"/>
+              </a:ext>
+            </a:extLst>
+          </a:blip>
+          <a:stretch>
+            <a:fillRect/>
+          </a:stretch>
+        </p:blipFill>
+        <p:spPr>
+          <a:xfrm>
+            <a:off x="2546" y="1"/>
+            <a:ext cx="12189454" cy="6859524"/>
+          </a:xfrm>
+          <a:prstGeom prst="rect">
+            <a:avLst/>
+          </a:prstGeom>
+        </p:spPr>
+      </p:pic>
       <p:sp>
         <p:nvSpPr>
           <p:cNvPr id="2" name="タイトル 1"/>
@@ -3631,10 +3951,22 @@
           <a:lstStyle/>
           <a:p>
             <a:r>
-              <a:rPr kumimoji="1" lang="ja-JP" altLang="en-US" dirty="0" smtClean="0"/>
+              <a:rPr kumimoji="1" lang="ja-JP" altLang="en-US" dirty="0" smtClean="0">
+                <a:solidFill>
+                  <a:schemeClr val="bg1"/>
+                </a:solidFill>
+                <a:latin typeface="メイリオ" panose="020B0604030504040204" pitchFamily="50" charset="-128"/>
+                <a:ea typeface="メイリオ" panose="020B0604030504040204" pitchFamily="50" charset="-128"/>
+              </a:rPr>
               <a:t>世界観</a:t>
             </a:r>
-            <a:endParaRPr kumimoji="1" lang="ja-JP" altLang="en-US" dirty="0"/>
+            <a:endParaRPr kumimoji="1" lang="ja-JP" altLang="en-US" dirty="0">
+              <a:solidFill>
+                <a:schemeClr val="bg1"/>
+              </a:solidFill>
+              <a:latin typeface="メイリオ" panose="020B0604030504040204" pitchFamily="50" charset="-128"/>
+              <a:ea typeface="メイリオ" panose="020B0604030504040204" pitchFamily="50" charset="-128"/>
+            </a:endParaRPr>
           </a:p>
         </p:txBody>
       </p:sp>
@@ -3654,34 +3986,88 @@
           <a:lstStyle/>
           <a:p>
             <a:r>
-              <a:rPr lang="ja-JP" altLang="en-US" dirty="0" smtClean="0"/>
+              <a:rPr lang="ja-JP" altLang="en-US" dirty="0" smtClean="0">
+                <a:solidFill>
+                  <a:schemeClr val="bg1"/>
+                </a:solidFill>
+                <a:latin typeface="メイリオ" panose="020B0604030504040204" pitchFamily="50" charset="-128"/>
+                <a:ea typeface="メイリオ" panose="020B0604030504040204" pitchFamily="50" charset="-128"/>
+              </a:rPr>
               <a:t>多くの借金を背負い一発逆転を狙いトレジャーハンターとしてお宝があると噂の遺跡に来た</a:t>
             </a:r>
-            <a:endParaRPr lang="en-US" altLang="ja-JP" dirty="0" smtClean="0"/>
-          </a:p>
-          <a:p>
-            <a:endParaRPr lang="en-US" altLang="ja-JP" dirty="0"/>
-          </a:p>
-          <a:p>
-            <a:r>
-              <a:rPr lang="ja-JP" altLang="en-US" dirty="0"/>
+            <a:endParaRPr lang="en-US" altLang="ja-JP" dirty="0" smtClean="0">
+              <a:solidFill>
+                <a:schemeClr val="bg1"/>
+              </a:solidFill>
+              <a:latin typeface="メイリオ" panose="020B0604030504040204" pitchFamily="50" charset="-128"/>
+              <a:ea typeface="メイリオ" panose="020B0604030504040204" pitchFamily="50" charset="-128"/>
+            </a:endParaRPr>
+          </a:p>
+          <a:p>
+            <a:endParaRPr lang="en-US" altLang="ja-JP" dirty="0">
+              <a:solidFill>
+                <a:schemeClr val="bg1"/>
+              </a:solidFill>
+              <a:latin typeface="メイリオ" panose="020B0604030504040204" pitchFamily="50" charset="-128"/>
+              <a:ea typeface="メイリオ" panose="020B0604030504040204" pitchFamily="50" charset="-128"/>
+            </a:endParaRPr>
+          </a:p>
+          <a:p>
+            <a:r>
+              <a:rPr lang="ja-JP" altLang="en-US" dirty="0">
+                <a:solidFill>
+                  <a:schemeClr val="bg1"/>
+                </a:solidFill>
+                <a:latin typeface="メイリオ" panose="020B0604030504040204" pitchFamily="50" charset="-128"/>
+                <a:ea typeface="メイリオ" panose="020B0604030504040204" pitchFamily="50" charset="-128"/>
+              </a:rPr>
               <a:t>宝を取りに奥へ進む途中仕掛けを作動させてしまい遺跡の崩壊が始まった</a:t>
             </a:r>
-            <a:endParaRPr lang="en-US" altLang="ja-JP" dirty="0"/>
-          </a:p>
-          <a:p>
-            <a:endParaRPr lang="en-US" altLang="ja-JP" dirty="0" smtClean="0"/>
-          </a:p>
-          <a:p>
-            <a:r>
-              <a:rPr lang="ja-JP" altLang="en-US" dirty="0"/>
+            <a:endParaRPr lang="en-US" altLang="ja-JP" dirty="0">
+              <a:solidFill>
+                <a:schemeClr val="bg1"/>
+              </a:solidFill>
+              <a:latin typeface="メイリオ" panose="020B0604030504040204" pitchFamily="50" charset="-128"/>
+              <a:ea typeface="メイリオ" panose="020B0604030504040204" pitchFamily="50" charset="-128"/>
+            </a:endParaRPr>
+          </a:p>
+          <a:p>
+            <a:endParaRPr lang="en-US" altLang="ja-JP" dirty="0" smtClean="0">
+              <a:solidFill>
+                <a:schemeClr val="bg1"/>
+              </a:solidFill>
+              <a:latin typeface="メイリオ" panose="020B0604030504040204" pitchFamily="50" charset="-128"/>
+              <a:ea typeface="メイリオ" panose="020B0604030504040204" pitchFamily="50" charset="-128"/>
+            </a:endParaRPr>
+          </a:p>
+          <a:p>
+            <a:r>
+              <a:rPr lang="ja-JP" altLang="en-US" dirty="0">
+                <a:solidFill>
+                  <a:schemeClr val="bg1"/>
+                </a:solidFill>
+                <a:latin typeface="メイリオ" panose="020B0604030504040204" pitchFamily="50" charset="-128"/>
+                <a:ea typeface="メイリオ" panose="020B0604030504040204" pitchFamily="50" charset="-128"/>
+              </a:rPr>
               <a:t>崩壊で落ちてきた</a:t>
             </a:r>
             <a:r>
-              <a:rPr lang="ja-JP" altLang="en-US" dirty="0" smtClean="0"/>
+              <a:rPr lang="ja-JP" altLang="en-US" dirty="0" smtClean="0">
+                <a:solidFill>
+                  <a:schemeClr val="bg1"/>
+                </a:solidFill>
+                <a:latin typeface="メイリオ" panose="020B0604030504040204" pitchFamily="50" charset="-128"/>
+                <a:ea typeface="メイリオ" panose="020B0604030504040204" pitchFamily="50" charset="-128"/>
+              </a:rPr>
               <a:t>宝石を拾い億万長者を目指し、生き埋めになる前に遺跡から脱出しよう</a:t>
             </a:r>
-            <a:endParaRPr lang="ja-JP" altLang="en-US" dirty="0"/>
+            <a:endParaRPr lang="ja-JP" altLang="en-US" dirty="0">
+              <a:solidFill>
+                <a:schemeClr val="bg1"/>
+              </a:solidFill>
+              <a:latin typeface="メイリオ" panose="020B0604030504040204" pitchFamily="50" charset="-128"/>
+              <a:ea typeface="メイリオ" panose="020B0604030504040204" pitchFamily="50" charset="-128"/>
+            </a:endParaRPr>
           </a:p>
           <a:p>
             <a:pPr marL="0" indent="0">
@@ -3728,6 +4114,36 @@
           <a:chExt cx="0" cy="0"/>
         </a:xfrm>
       </p:grpSpPr>
+      <p:pic>
+        <p:nvPicPr>
+          <p:cNvPr id="4" name="図 3"/>
+          <p:cNvPicPr>
+            <a:picLocks noChangeAspect="1"/>
+          </p:cNvPicPr>
+          <p:nvPr/>
+        </p:nvPicPr>
+        <p:blipFill>
+          <a:blip r:embed="rId2" cstate="print">
+            <a:extLst>
+              <a:ext uri="{28A0092B-C50C-407E-A947-70E740481C1C}">
+                <a14:useLocalDpi xmlns:a14="http://schemas.microsoft.com/office/drawing/2010/main" val="0"/>
+              </a:ext>
+            </a:extLst>
+          </a:blip>
+          <a:stretch>
+            <a:fillRect/>
+          </a:stretch>
+        </p:blipFill>
+        <p:spPr>
+          <a:xfrm>
+            <a:off x="2546" y="1"/>
+            <a:ext cx="12189454" cy="6859524"/>
+          </a:xfrm>
+          <a:prstGeom prst="rect">
+            <a:avLst/>
+          </a:prstGeom>
+        </p:spPr>
+      </p:pic>
       <p:sp>
         <p:nvSpPr>
           <p:cNvPr id="2" name="タイトル 1"/>
@@ -3807,6 +4223,36 @@
           <a:chExt cx="0" cy="0"/>
         </a:xfrm>
       </p:grpSpPr>
+      <p:pic>
+        <p:nvPicPr>
+          <p:cNvPr id="4" name="図 3"/>
+          <p:cNvPicPr>
+            <a:picLocks noChangeAspect="1"/>
+          </p:cNvPicPr>
+          <p:nvPr/>
+        </p:nvPicPr>
+        <p:blipFill>
+          <a:blip r:embed="rId2" cstate="print">
+            <a:extLst>
+              <a:ext uri="{28A0092B-C50C-407E-A947-70E740481C1C}">
+                <a14:useLocalDpi xmlns:a14="http://schemas.microsoft.com/office/drawing/2010/main" val="0"/>
+              </a:ext>
+            </a:extLst>
+          </a:blip>
+          <a:stretch>
+            <a:fillRect/>
+          </a:stretch>
+        </p:blipFill>
+        <p:spPr>
+          <a:xfrm>
+            <a:off x="2546" y="1"/>
+            <a:ext cx="12189454" cy="6859524"/>
+          </a:xfrm>
+          <a:prstGeom prst="rect">
+            <a:avLst/>
+          </a:prstGeom>
+        </p:spPr>
+      </p:pic>
       <p:sp>
         <p:nvSpPr>
           <p:cNvPr id="2" name="タイトル 1"/>
@@ -3841,7 +4287,7 @@
           <a:bodyPr/>
           <a:lstStyle/>
           <a:p>
-            <a:endParaRPr kumimoji="1" lang="ja-JP" altLang="en-US"/>
+            <a:endParaRPr kumimoji="1" lang="ja-JP" altLang="en-US" dirty="0"/>
           </a:p>
         </p:txBody>
       </p:sp>
@@ -3882,6 +4328,36 @@
           <a:chExt cx="0" cy="0"/>
         </a:xfrm>
       </p:grpSpPr>
+      <p:pic>
+        <p:nvPicPr>
+          <p:cNvPr id="4" name="図 3"/>
+          <p:cNvPicPr>
+            <a:picLocks noChangeAspect="1"/>
+          </p:cNvPicPr>
+          <p:nvPr/>
+        </p:nvPicPr>
+        <p:blipFill>
+          <a:blip r:embed="rId2" cstate="print">
+            <a:extLst>
+              <a:ext uri="{28A0092B-C50C-407E-A947-70E740481C1C}">
+                <a14:useLocalDpi xmlns:a14="http://schemas.microsoft.com/office/drawing/2010/main" val="0"/>
+              </a:ext>
+            </a:extLst>
+          </a:blip>
+          <a:stretch>
+            <a:fillRect/>
+          </a:stretch>
+        </p:blipFill>
+        <p:spPr>
+          <a:xfrm>
+            <a:off x="2546" y="1"/>
+            <a:ext cx="12189454" cy="6859524"/>
+          </a:xfrm>
+          <a:prstGeom prst="rect">
+            <a:avLst/>
+          </a:prstGeom>
+        </p:spPr>
+      </p:pic>
       <p:sp>
         <p:nvSpPr>
           <p:cNvPr id="2" name="タイトル 1"/>
@@ -3930,6 +4406,13 @@
   <p:clrMapOvr>
     <a:masterClrMapping/>
   </p:clrMapOvr>
+  <p:timing>
+    <p:tnLst>
+      <p:par>
+        <p:cTn id="1" dur="indefinite" restart="never" nodeType="tmRoot"/>
+      </p:par>
+    </p:tnLst>
+  </p:timing>
 </p:sld>
 </file>
 
